--- a/strategic-ddd.pptx
+++ b/strategic-ddd.pptx
@@ -5496,8 +5496,8 @@
         </p:nvSpPr>
         <p:spPr>
           <a:xfrm>
-            <a:off x="504000" y="1769040"/>
-            <a:ext cx="9071640" cy="5095586"/>
+            <a:off x="504000" y="1769039"/>
+            <a:ext cx="9071640" cy="5489315"/>
           </a:xfrm>
           <a:prstGeom prst="rect">
             <a:avLst/>
@@ -5726,6 +5726,33 @@
                 <a:latin typeface="Arial"/>
               </a:rPr>
               <a:t>Projections, Snapshotting &amp; Versioning</a:t>
+            </a:r>
+          </a:p>
+          <a:p>
+            <a:pPr marL="889200" lvl="1" indent="-324000">
+              <a:spcBef>
+                <a:spcPts val="1417"/>
+              </a:spcBef>
+              <a:buClr>
+                <a:srgbClr val="000000"/>
+              </a:buClr>
+              <a:buSzPct val="45000"/>
+              <a:buFont typeface="Wingdings" charset="2"/>
+              <a:buChar char=""/>
+            </a:pPr>
+            <a:r>
+              <a:rPr lang="en-GB" sz="3200" spc="-1" dirty="0">
+                <a:solidFill>
+                  <a:srgbClr val="000000"/>
+                </a:solidFill>
+                <a:uFill>
+                  <a:solidFill>
+                    <a:srgbClr val="FFFFFF"/>
+                  </a:solidFill>
+                </a:uFill>
+                <a:latin typeface="Arial"/>
+              </a:rPr>
+              <a:t>Replay of events &amp; Log for free</a:t>
             </a:r>
           </a:p>
           <a:p>
